--- a/Flowchart of Model Objects Simple.pptx
+++ b/Flowchart of Model Objects Simple.pptx
@@ -3335,8 +3335,11 @@
           <a:p>
             <a:pPr algn="ctr"/>
             <a:r>
-              <a:rPr lang="en-US" dirty="0" smtClean="0"/>
-              <a:t>S</a:t>
+              <a:rPr lang="en-US" smtClean="0">
+                <a:latin typeface="Calibri" panose="020F0502020204030204" pitchFamily="34" charset="0"/>
+                <a:cs typeface="Calibri" panose="020F0502020204030204" pitchFamily="34" charset="0"/>
+              </a:rPr>
+              <a:t>∏</a:t>
             </a:r>
             <a:endParaRPr lang="en-US" dirty="0"/>
           </a:p>
@@ -3511,8 +3514,9 @@
             <a:pPr algn="ctr"/>
             <a:r>
               <a:rPr lang="en-US" dirty="0" smtClean="0"/>
-              <a:t>L</a:t>
-            </a:r>
+              <a:t>B</a:t>
+            </a:r>
+            <a:endParaRPr lang="en-US" dirty="0" smtClean="0"/>
           </a:p>
         </p:txBody>
       </p:sp>

--- a/Flowchart of Model Objects Simple.pptx
+++ b/Flowchart of Model Objects Simple.pptx
@@ -3516,7 +3516,6 @@
               <a:rPr lang="en-US" dirty="0" smtClean="0"/>
               <a:t>B</a:t>
             </a:r>
-            <a:endParaRPr lang="en-US" dirty="0" smtClean="0"/>
           </a:p>
         </p:txBody>
       </p:sp>
@@ -4643,14 +4642,29 @@
           </a:p>
           <a:p>
             <a:r>
+              <a:rPr lang="en-US" sz="2400" dirty="0" smtClean="0">
+                <a:latin typeface="Calibri" panose="020F0502020204030204" pitchFamily="34" charset="0"/>
+                <a:cs typeface="Calibri" panose="020F0502020204030204" pitchFamily="34" charset="0"/>
+              </a:rPr>
+              <a:t>∏</a:t>
+            </a:r>
+            <a:r>
               <a:rPr lang="en-US" sz="2400" dirty="0" smtClean="0"/>
-              <a:t>S – Daily Survival Rate</a:t>
-            </a:r>
-          </a:p>
-          <a:p>
+              <a:t> </a:t>
+            </a:r>
             <a:r>
               <a:rPr lang="en-US" sz="2400" dirty="0" smtClean="0"/>
-              <a:t>L – Daily Eggs Laid</a:t>
+              <a:t>– Daily Survival Rate</a:t>
+            </a:r>
+          </a:p>
+          <a:p>
+            <a:r>
+              <a:rPr lang="en-US" sz="2400" dirty="0" smtClean="0"/>
+              <a:t>B </a:t>
+            </a:r>
+            <a:r>
+              <a:rPr lang="en-US" sz="2400" dirty="0" smtClean="0"/>
+              <a:t>– Daily Eggs Laid</a:t>
             </a:r>
           </a:p>
           <a:p>

--- a/Flowchart of Model Objects Simple.pptx
+++ b/Flowchart of Model Objects Simple.pptx
@@ -4551,7 +4551,15 @@
           <a:p>
             <a:r>
               <a:rPr lang="en-US" sz="2400" dirty="0" smtClean="0"/>
-              <a:t>ADD – Accumulated Day Degrees by day and cohort</a:t>
+              <a:t>ADD – Accumulated </a:t>
+            </a:r>
+            <a:r>
+              <a:rPr lang="en-US" sz="2400" dirty="0" smtClean="0"/>
+              <a:t>Degree Days </a:t>
+            </a:r>
+            <a:r>
+              <a:rPr lang="en-US" sz="2400" dirty="0" smtClean="0"/>
+              <a:t>by day and cohort</a:t>
             </a:r>
           </a:p>
           <a:p>
@@ -4650,21 +4658,13 @@
             </a:r>
             <a:r>
               <a:rPr lang="en-US" sz="2400" dirty="0" smtClean="0"/>
-              <a:t> </a:t>
-            </a:r>
+              <a:t> – Daily Survival Rate</a:t>
+            </a:r>
+          </a:p>
+          <a:p>
             <a:r>
               <a:rPr lang="en-US" sz="2400" dirty="0" smtClean="0"/>
-              <a:t>– Daily Survival Rate</a:t>
-            </a:r>
-          </a:p>
-          <a:p>
-            <a:r>
-              <a:rPr lang="en-US" sz="2400" dirty="0" smtClean="0"/>
-              <a:t>B </a:t>
-            </a:r>
-            <a:r>
-              <a:rPr lang="en-US" sz="2400" dirty="0" smtClean="0"/>
-              <a:t>– Daily Eggs Laid</a:t>
+              <a:t>B – Daily Eggs Laid</a:t>
             </a:r>
           </a:p>
           <a:p>
